--- a/slides/guest-lectures-wien-2025/lecture2-smt-solving.pptx
+++ b/slides/guest-lectures-wien-2025/lecture2-smt-solving.pptx
@@ -3233,7 +3233,7 @@
           <a:p>
             <a:fld id="{E0060B70-99F6-46DC-AC28-61E24B2D140B}" type="datetimeFigureOut">
               <a:rPr lang="en-US" smtClean="0"/>
-              <a:t>10/14/2025</a:t>
+              <a:t>10/15/2025</a:t>
             </a:fld>
             <a:endParaRPr lang="en-US"/>
           </a:p>
@@ -3754,7 +3754,7 @@
                 <a:tabLst/>
                 <a:defRPr/>
               </a:pPr>
-              <a:t>10/14/2025 8:42 AM</a:t>
+              <a:t>10/15/2025 9:02 AM</a:t>
             </a:fld>
             <a:endParaRPr kumimoji="0" lang="en-US" sz="1200" b="0" i="0" u="none" strike="noStrike" kern="1200" cap="none" spc="0" normalizeH="0" baseline="0" noProof="0">
               <a:ln>
@@ -4346,7 +4346,7 @@
           <a:p>
             <a:fld id="{D71F6AB6-6FBF-4B63-A5C3-90DEBBF6936C}" type="datetimeFigureOut">
               <a:rPr lang="en-US" smtClean="0"/>
-              <a:t>10/14/2025</a:t>
+              <a:t>10/15/2025</a:t>
             </a:fld>
             <a:endParaRPr lang="en-US"/>
           </a:p>
@@ -4544,7 +4544,7 @@
           <a:p>
             <a:fld id="{D71F6AB6-6FBF-4B63-A5C3-90DEBBF6936C}" type="datetimeFigureOut">
               <a:rPr lang="en-US" smtClean="0"/>
-              <a:t>10/14/2025</a:t>
+              <a:t>10/15/2025</a:t>
             </a:fld>
             <a:endParaRPr lang="en-US"/>
           </a:p>
@@ -4752,7 +4752,7 @@
           <a:p>
             <a:fld id="{D71F6AB6-6FBF-4B63-A5C3-90DEBBF6936C}" type="datetimeFigureOut">
               <a:rPr lang="en-US" smtClean="0"/>
-              <a:t>10/14/2025</a:t>
+              <a:t>10/15/2025</a:t>
             </a:fld>
             <a:endParaRPr lang="en-US"/>
           </a:p>
@@ -4950,7 +4950,7 @@
           <a:p>
             <a:fld id="{D71F6AB6-6FBF-4B63-A5C3-90DEBBF6936C}" type="datetimeFigureOut">
               <a:rPr lang="en-US" smtClean="0"/>
-              <a:t>10/14/2025</a:t>
+              <a:t>10/15/2025</a:t>
             </a:fld>
             <a:endParaRPr lang="en-US"/>
           </a:p>
@@ -5225,7 +5225,7 @@
           <a:p>
             <a:fld id="{D71F6AB6-6FBF-4B63-A5C3-90DEBBF6936C}" type="datetimeFigureOut">
               <a:rPr lang="en-US" smtClean="0"/>
-              <a:t>10/14/2025</a:t>
+              <a:t>10/15/2025</a:t>
             </a:fld>
             <a:endParaRPr lang="en-US"/>
           </a:p>
@@ -5490,7 +5490,7 @@
           <a:p>
             <a:fld id="{D71F6AB6-6FBF-4B63-A5C3-90DEBBF6936C}" type="datetimeFigureOut">
               <a:rPr lang="en-US" smtClean="0"/>
-              <a:t>10/14/2025</a:t>
+              <a:t>10/15/2025</a:t>
             </a:fld>
             <a:endParaRPr lang="en-US"/>
           </a:p>
@@ -5902,7 +5902,7 @@
           <a:p>
             <a:fld id="{D71F6AB6-6FBF-4B63-A5C3-90DEBBF6936C}" type="datetimeFigureOut">
               <a:rPr lang="en-US" smtClean="0"/>
-              <a:t>10/14/2025</a:t>
+              <a:t>10/15/2025</a:t>
             </a:fld>
             <a:endParaRPr lang="en-US"/>
           </a:p>
@@ -6043,7 +6043,7 @@
           <a:p>
             <a:fld id="{D71F6AB6-6FBF-4B63-A5C3-90DEBBF6936C}" type="datetimeFigureOut">
               <a:rPr lang="en-US" smtClean="0"/>
-              <a:t>10/14/2025</a:t>
+              <a:t>10/15/2025</a:t>
             </a:fld>
             <a:endParaRPr lang="en-US"/>
           </a:p>
@@ -6156,7 +6156,7 @@
           <a:p>
             <a:fld id="{D71F6AB6-6FBF-4B63-A5C3-90DEBBF6936C}" type="datetimeFigureOut">
               <a:rPr lang="en-US" smtClean="0"/>
-              <a:t>10/14/2025</a:t>
+              <a:t>10/15/2025</a:t>
             </a:fld>
             <a:endParaRPr lang="en-US"/>
           </a:p>
@@ -6467,7 +6467,7 @@
           <a:p>
             <a:fld id="{D71F6AB6-6FBF-4B63-A5C3-90DEBBF6936C}" type="datetimeFigureOut">
               <a:rPr lang="en-US" smtClean="0"/>
-              <a:t>10/14/2025</a:t>
+              <a:t>10/15/2025</a:t>
             </a:fld>
             <a:endParaRPr lang="en-US"/>
           </a:p>
@@ -6755,7 +6755,7 @@
           <a:p>
             <a:fld id="{D71F6AB6-6FBF-4B63-A5C3-90DEBBF6936C}" type="datetimeFigureOut">
               <a:rPr lang="en-US" smtClean="0"/>
-              <a:t>10/14/2025</a:t>
+              <a:t>10/15/2025</a:t>
             </a:fld>
             <a:endParaRPr lang="en-US"/>
           </a:p>
@@ -6996,7 +6996,7 @@
           <a:p>
             <a:fld id="{D71F6AB6-6FBF-4B63-A5C3-90DEBBF6936C}" type="datetimeFigureOut">
               <a:rPr lang="en-US" smtClean="0"/>
-              <a:t>10/14/2025</a:t>
+              <a:t>10/15/2025</a:t>
             </a:fld>
             <a:endParaRPr lang="en-US"/>
           </a:p>
@@ -23798,7 +23798,7 @@
               <a:buSzPct val="90000"/>
             </a:pPr>
             <a:r>
-              <a:rPr lang="en-US" sz="1800" kern="1200">
+              <a:rPr lang="en-US" sz="1800" kern="1200" dirty="0">
                 <a:solidFill>
                   <a:srgbClr val="0070C0"/>
                 </a:solidFill>
@@ -23809,7 +23809,7 @@
               <a:t>x </a:t>
             </a:r>
             <a:r>
-              <a:rPr lang="en-US" sz="1800" kern="1200">
+              <a:rPr lang="en-US" sz="1800" kern="1200" dirty="0">
                 <a:solidFill>
                   <a:srgbClr val="0070C0"/>
                 </a:solidFill>
@@ -23821,7 +23821,7 @@
               <a:t> 0, y = x + 1, y</a:t>
             </a:r>
             <a:r>
-              <a:rPr lang="en-US" sz="1800" kern="1200">
+              <a:rPr lang="en-US" sz="1800" kern="1200" dirty="0">
                 <a:solidFill>
                   <a:srgbClr val="0070C0"/>
                 </a:solidFill>
@@ -23829,10 +23829,10 @@
                 <a:ea typeface="+mn-ea"/>
                 <a:cs typeface="+mn-cs"/>
               </a:rPr>
-              <a:t> ≤ 1, </a:t>
+              <a:t> ≤ 2, </a:t>
             </a:r>
             <a:r>
-              <a:rPr lang="en-US" sz="1800" kern="1200">
+              <a:rPr lang="en-US" sz="1800" kern="1200" dirty="0">
                 <a:solidFill>
                   <a:srgbClr val="0070C0"/>
                 </a:solidFill>
@@ -23844,7 +23844,7 @@
               <a:t>y</a:t>
             </a:r>
             <a:r>
-              <a:rPr lang="en-US" sz="1800" kern="1200">
+              <a:rPr lang="en-US" sz="1800" kern="1200" dirty="0">
                 <a:solidFill>
                   <a:srgbClr val="0070C0"/>
                 </a:solidFill>
@@ -26745,21 +26745,6 @@
 </file>
 
 <file path=customXml/item1.xml><?xml version="1.0" encoding="utf-8"?>
-<p:properties xmlns:p="http://schemas.microsoft.com/office/2006/metadata/properties" xmlns:xsi="http://www.w3.org/2001/XMLSchema-instance" xmlns:pc="http://schemas.microsoft.com/office/infopath/2007/PartnerControls">
-  <documentManagement/>
-</p:properties>
-</file>
-
-<file path=customXml/item2.xml><?xml version="1.0" encoding="utf-8"?>
-<?mso-contentType ?>
-<FormTemplates xmlns="http://schemas.microsoft.com/sharepoint/v3/contenttype/forms">
-  <Display>DocumentLibraryForm</Display>
-  <Edit>DocumentLibraryForm</Edit>
-  <New>DocumentLibraryForm</New>
-</FormTemplates>
-</file>
-
-<file path=customXml/item3.xml><?xml version="1.0" encoding="utf-8"?>
 <ct:contentTypeSchema xmlns:ct="http://schemas.microsoft.com/office/2006/metadata/contentType" xmlns:ma="http://schemas.microsoft.com/office/2006/metadata/properties/metaAttributes" ct:_="" ma:_="" ma:contentTypeName="Document" ma:contentTypeID="0x01010097FD63E395080A43A32F443B5DB3CA82" ma:contentTypeVersion="15" ma:contentTypeDescription="Create a new document." ma:contentTypeScope="" ma:versionID="a3e21556ad7696f46e6aeed3e8446d09">
   <xsd:schema xmlns:xsd="http://www.w3.org/2001/XMLSchema" xmlns:xs="http://www.w3.org/2001/XMLSchema" xmlns:p="http://schemas.microsoft.com/office/2006/metadata/properties" xmlns:ns3="1eac365c-24b9-49f6-8b08-64a95c9e0c2d" xmlns:ns4="a2be3752-dc5b-4cdd-a620-72e6c83e257b" targetNamespace="http://schemas.microsoft.com/office/2006/metadata/properties" ma:root="true" ma:fieldsID="4546fefd2005ff12357c2bd0a43b79fc" ns3:_="" ns4:_="">
     <xsd:import namespace="1eac365c-24b9-49f6-8b08-64a95c9e0c2d"/>
@@ -26996,32 +26981,22 @@
 </ct:contentTypeSchema>
 </file>
 
-<file path=customXml/itemProps1.xml><?xml version="1.0" encoding="utf-8"?>
-<ds:datastoreItem xmlns:ds="http://schemas.openxmlformats.org/officeDocument/2006/customXml" ds:itemID="{3DA4B80E-AB13-4EE9-A8E3-2ACC6F11AFAD}">
-  <ds:schemaRefs>
-    <ds:schemaRef ds:uri="http://schemas.openxmlformats.org/package/2006/metadata/core-properties"/>
-    <ds:schemaRef ds:uri="http://schemas.microsoft.com/office/infopath/2007/PartnerControls"/>
-    <ds:schemaRef ds:uri="http://schemas.microsoft.com/office/2006/documentManagement/types"/>
-    <ds:schemaRef ds:uri="http://www.w3.org/XML/1998/namespace"/>
-    <ds:schemaRef ds:uri="http://purl.org/dc/elements/1.1/"/>
-    <ds:schemaRef ds:uri="a2be3752-dc5b-4cdd-a620-72e6c83e257b"/>
-    <ds:schemaRef ds:uri="http://purl.org/dc/dcmitype/"/>
-    <ds:schemaRef ds:uri="1eac365c-24b9-49f6-8b08-64a95c9e0c2d"/>
-    <ds:schemaRef ds:uri="http://purl.org/dc/terms/"/>
-    <ds:schemaRef ds:uri="http://schemas.microsoft.com/office/2006/metadata/properties"/>
-  </ds:schemaRefs>
-</ds:datastoreItem>
+<file path=customXml/item2.xml><?xml version="1.0" encoding="utf-8"?>
+<?mso-contentType ?>
+<FormTemplates xmlns="http://schemas.microsoft.com/sharepoint/v3/contenttype/forms">
+  <Display>DocumentLibraryForm</Display>
+  <Edit>DocumentLibraryForm</Edit>
+  <New>DocumentLibraryForm</New>
+</FormTemplates>
 </file>
 
-<file path=customXml/itemProps2.xml><?xml version="1.0" encoding="utf-8"?>
-<ds:datastoreItem xmlns:ds="http://schemas.openxmlformats.org/officeDocument/2006/customXml" ds:itemID="{B5E21315-3456-4FBC-8807-B24E962756AF}">
-  <ds:schemaRefs>
-    <ds:schemaRef ds:uri="http://schemas.microsoft.com/sharepoint/v3/contenttype/forms"/>
-  </ds:schemaRefs>
-</ds:datastoreItem>
+<file path=customXml/item3.xml><?xml version="1.0" encoding="utf-8"?>
+<p:properties xmlns:p="http://schemas.microsoft.com/office/2006/metadata/properties" xmlns:xsi="http://www.w3.org/2001/XMLSchema-instance" xmlns:pc="http://schemas.microsoft.com/office/infopath/2007/PartnerControls">
+  <documentManagement/>
+</p:properties>
 </file>
 
-<file path=customXml/itemProps3.xml><?xml version="1.0" encoding="utf-8"?>
+<file path=customXml/itemProps1.xml><?xml version="1.0" encoding="utf-8"?>
 <ds:datastoreItem xmlns:ds="http://schemas.openxmlformats.org/officeDocument/2006/customXml" ds:itemID="{AF506A69-CB65-41D0-9E76-2210A713824C}">
   <ds:schemaRefs>
     <ds:schemaRef ds:uri="1eac365c-24b9-49f6-8b08-64a95c9e0c2d"/>
@@ -27040,6 +27015,31 @@
 </ds:datastoreItem>
 </file>
 
+<file path=customXml/itemProps2.xml><?xml version="1.0" encoding="utf-8"?>
+<ds:datastoreItem xmlns:ds="http://schemas.openxmlformats.org/officeDocument/2006/customXml" ds:itemID="{B5E21315-3456-4FBC-8807-B24E962756AF}">
+  <ds:schemaRefs>
+    <ds:schemaRef ds:uri="http://schemas.microsoft.com/sharepoint/v3/contenttype/forms"/>
+  </ds:schemaRefs>
+</ds:datastoreItem>
+</file>
+
+<file path=customXml/itemProps3.xml><?xml version="1.0" encoding="utf-8"?>
+<ds:datastoreItem xmlns:ds="http://schemas.openxmlformats.org/officeDocument/2006/customXml" ds:itemID="{3DA4B80E-AB13-4EE9-A8E3-2ACC6F11AFAD}">
+  <ds:schemaRefs>
+    <ds:schemaRef ds:uri="http://schemas.openxmlformats.org/package/2006/metadata/core-properties"/>
+    <ds:schemaRef ds:uri="http://schemas.microsoft.com/office/infopath/2007/PartnerControls"/>
+    <ds:schemaRef ds:uri="http://schemas.microsoft.com/office/2006/documentManagement/types"/>
+    <ds:schemaRef ds:uri="http://www.w3.org/XML/1998/namespace"/>
+    <ds:schemaRef ds:uri="http://purl.org/dc/elements/1.1/"/>
+    <ds:schemaRef ds:uri="a2be3752-dc5b-4cdd-a620-72e6c83e257b"/>
+    <ds:schemaRef ds:uri="http://purl.org/dc/dcmitype/"/>
+    <ds:schemaRef ds:uri="1eac365c-24b9-49f6-8b08-64a95c9e0c2d"/>
+    <ds:schemaRef ds:uri="http://purl.org/dc/terms/"/>
+    <ds:schemaRef ds:uri="http://schemas.microsoft.com/office/2006/metadata/properties"/>
+  </ds:schemaRefs>
+</ds:datastoreItem>
+</file>
+
 <file path=docMetadata/LabelInfo.xml><?xml version="1.0" encoding="utf-8"?>
 <clbl:labelList xmlns:clbl="http://schemas.microsoft.com/office/2020/mipLabelMetadata">
   <clbl:label id="{f42aa342-8706-4288-bd11-ebb85995028c}" enabled="1" method="Standard" siteId="{72f988bf-86f1-41af-91ab-2d7cd011db47}" removed="0"/>
